--- a/presentation/ChallengeArena.pptx
+++ b/presentation/ChallengeArena.pptx
@@ -3838,6 +3838,117 @@
           </a:p>
         </p:txBody>
       </p:sp>
+      <p:grpSp>
+        <p:nvGrpSpPr>
+          <p:cNvPr id="11" name="Группа 10">
+            <a:extLst>
+              <a:ext uri="{FF2B5EF4-FFF2-40B4-BE49-F238E27FC236}">
+                <a16:creationId xmlns:a16="http://schemas.microsoft.com/office/drawing/2014/main" id="{0CB8F734-06DB-6905-1B80-575CC333FDCE}"/>
+              </a:ext>
+            </a:extLst>
+          </p:cNvPr>
+          <p:cNvGrpSpPr/>
+          <p:nvPr/>
+        </p:nvGrpSpPr>
+        <p:grpSpPr>
+          <a:xfrm>
+            <a:off x="4413077" y="1835318"/>
+            <a:ext cx="3365845" cy="3187363"/>
+            <a:chOff x="2049638" y="599021"/>
+            <a:chExt cx="3819645" cy="3738690"/>
+          </a:xfrm>
+        </p:grpSpPr>
+        <p:sp>
+          <p:nvSpPr>
+            <p:cNvPr id="2" name="Прямоугольник: скругленные углы 1">
+              <a:extLst>
+                <a:ext uri="{FF2B5EF4-FFF2-40B4-BE49-F238E27FC236}">
+                  <a16:creationId xmlns:a16="http://schemas.microsoft.com/office/drawing/2014/main" id="{AD10C44E-3AF4-B347-1B15-10303948D8C4}"/>
+                </a:ext>
+              </a:extLst>
+            </p:cNvPr>
+            <p:cNvSpPr/>
+            <p:nvPr/>
+          </p:nvSpPr>
+          <p:spPr>
+            <a:xfrm>
+              <a:off x="2049638" y="599021"/>
+              <a:ext cx="3819645" cy="3738690"/>
+            </a:xfrm>
+            <a:prstGeom prst="roundRect">
+              <a:avLst/>
+            </a:prstGeom>
+            <a:solidFill>
+              <a:schemeClr val="bg1">
+                <a:lumMod val="95000"/>
+              </a:schemeClr>
+            </a:solidFill>
+            <a:ln>
+              <a:noFill/>
+            </a:ln>
+          </p:spPr>
+          <p:style>
+            <a:lnRef idx="2">
+              <a:schemeClr val="accent1">
+                <a:shade val="15000"/>
+              </a:schemeClr>
+            </a:lnRef>
+            <a:fillRef idx="1">
+              <a:schemeClr val="accent1"/>
+            </a:fillRef>
+            <a:effectRef idx="0">
+              <a:schemeClr val="accent1"/>
+            </a:effectRef>
+            <a:fontRef idx="minor">
+              <a:schemeClr val="lt1"/>
+            </a:fontRef>
+          </p:style>
+          <p:txBody>
+            <a:bodyPr rtlCol="0" anchor="ctr"/>
+            <a:lstStyle/>
+            <a:p>
+              <a:pPr algn="ctr"/>
+              <a:endParaRPr lang="ru-RU" dirty="0"/>
+            </a:p>
+          </p:txBody>
+        </p:sp>
+        <p:pic>
+          <p:nvPicPr>
+            <p:cNvPr id="9" name="Рисунок 8">
+              <a:extLst>
+                <a:ext uri="{FF2B5EF4-FFF2-40B4-BE49-F238E27FC236}">
+                  <a16:creationId xmlns:a16="http://schemas.microsoft.com/office/drawing/2014/main" id="{3FAD76A7-2CD0-ADCF-4B3D-3DA3961A5336}"/>
+                </a:ext>
+              </a:extLst>
+            </p:cNvPr>
+            <p:cNvPicPr>
+              <a:picLocks noChangeAspect="1"/>
+            </p:cNvPicPr>
+            <p:nvPr/>
+          </p:nvPicPr>
+          <p:blipFill>
+            <a:blip r:embed="rId2">
+              <a:extLst>
+                <a:ext uri="{28A0092B-C50C-407E-A947-70E740481C1C}">
+                  <a14:useLocalDpi xmlns:a14="http://schemas.microsoft.com/office/drawing/2010/main" val="0"/>
+                </a:ext>
+              </a:extLst>
+            </a:blip>
+            <a:stretch>
+              <a:fillRect/>
+            </a:stretch>
+          </p:blipFill>
+          <p:spPr>
+            <a:xfrm>
+              <a:off x="2663415" y="599021"/>
+              <a:ext cx="2592090" cy="3316147"/>
+            </a:xfrm>
+            <a:prstGeom prst="rect">
+              <a:avLst/>
+            </a:prstGeom>
+          </p:spPr>
+        </p:pic>
+      </p:grpSp>
     </p:spTree>
     <p:extLst>
       <p:ext uri="{BB962C8B-B14F-4D97-AF65-F5344CB8AC3E}">

--- a/presentation/ChallengeArena.pptx
+++ b/presentation/ChallengeArena.pptx
@@ -3838,117 +3838,6 @@
           </a:p>
         </p:txBody>
       </p:sp>
-      <p:grpSp>
-        <p:nvGrpSpPr>
-          <p:cNvPr id="11" name="Группа 10">
-            <a:extLst>
-              <a:ext uri="{FF2B5EF4-FFF2-40B4-BE49-F238E27FC236}">
-                <a16:creationId xmlns:a16="http://schemas.microsoft.com/office/drawing/2014/main" id="{0CB8F734-06DB-6905-1B80-575CC333FDCE}"/>
-              </a:ext>
-            </a:extLst>
-          </p:cNvPr>
-          <p:cNvGrpSpPr/>
-          <p:nvPr/>
-        </p:nvGrpSpPr>
-        <p:grpSpPr>
-          <a:xfrm>
-            <a:off x="4413077" y="1835318"/>
-            <a:ext cx="3365845" cy="3187363"/>
-            <a:chOff x="2049638" y="599021"/>
-            <a:chExt cx="3819645" cy="3738690"/>
-          </a:xfrm>
-        </p:grpSpPr>
-        <p:sp>
-          <p:nvSpPr>
-            <p:cNvPr id="2" name="Прямоугольник: скругленные углы 1">
-              <a:extLst>
-                <a:ext uri="{FF2B5EF4-FFF2-40B4-BE49-F238E27FC236}">
-                  <a16:creationId xmlns:a16="http://schemas.microsoft.com/office/drawing/2014/main" id="{AD10C44E-3AF4-B347-1B15-10303948D8C4}"/>
-                </a:ext>
-              </a:extLst>
-            </p:cNvPr>
-            <p:cNvSpPr/>
-            <p:nvPr/>
-          </p:nvSpPr>
-          <p:spPr>
-            <a:xfrm>
-              <a:off x="2049638" y="599021"/>
-              <a:ext cx="3819645" cy="3738690"/>
-            </a:xfrm>
-            <a:prstGeom prst="roundRect">
-              <a:avLst/>
-            </a:prstGeom>
-            <a:solidFill>
-              <a:schemeClr val="bg1">
-                <a:lumMod val="95000"/>
-              </a:schemeClr>
-            </a:solidFill>
-            <a:ln>
-              <a:noFill/>
-            </a:ln>
-          </p:spPr>
-          <p:style>
-            <a:lnRef idx="2">
-              <a:schemeClr val="accent1">
-                <a:shade val="15000"/>
-              </a:schemeClr>
-            </a:lnRef>
-            <a:fillRef idx="1">
-              <a:schemeClr val="accent1"/>
-            </a:fillRef>
-            <a:effectRef idx="0">
-              <a:schemeClr val="accent1"/>
-            </a:effectRef>
-            <a:fontRef idx="minor">
-              <a:schemeClr val="lt1"/>
-            </a:fontRef>
-          </p:style>
-          <p:txBody>
-            <a:bodyPr rtlCol="0" anchor="ctr"/>
-            <a:lstStyle/>
-            <a:p>
-              <a:pPr algn="ctr"/>
-              <a:endParaRPr lang="ru-RU" dirty="0"/>
-            </a:p>
-          </p:txBody>
-        </p:sp>
-        <p:pic>
-          <p:nvPicPr>
-            <p:cNvPr id="9" name="Рисунок 8">
-              <a:extLst>
-                <a:ext uri="{FF2B5EF4-FFF2-40B4-BE49-F238E27FC236}">
-                  <a16:creationId xmlns:a16="http://schemas.microsoft.com/office/drawing/2014/main" id="{3FAD76A7-2CD0-ADCF-4B3D-3DA3961A5336}"/>
-                </a:ext>
-              </a:extLst>
-            </p:cNvPr>
-            <p:cNvPicPr>
-              <a:picLocks noChangeAspect="1"/>
-            </p:cNvPicPr>
-            <p:nvPr/>
-          </p:nvPicPr>
-          <p:blipFill>
-            <a:blip r:embed="rId2">
-              <a:extLst>
-                <a:ext uri="{28A0092B-C50C-407E-A947-70E740481C1C}">
-                  <a14:useLocalDpi xmlns:a14="http://schemas.microsoft.com/office/drawing/2010/main" val="0"/>
-                </a:ext>
-              </a:extLst>
-            </a:blip>
-            <a:stretch>
-              <a:fillRect/>
-            </a:stretch>
-          </p:blipFill>
-          <p:spPr>
-            <a:xfrm>
-              <a:off x="2663415" y="599021"/>
-              <a:ext cx="2592090" cy="3316147"/>
-            </a:xfrm>
-            <a:prstGeom prst="rect">
-              <a:avLst/>
-            </a:prstGeom>
-          </p:spPr>
-        </p:pic>
-      </p:grpSp>
     </p:spTree>
     <p:extLst>
       <p:ext uri="{BB962C8B-B14F-4D97-AF65-F5344CB8AC3E}">
